--- a/groups/02-soundLink/I&S Zwischenstand 16.04..pptx
+++ b/groups/02-soundLink/I&S Zwischenstand 16.04..pptx
@@ -107,6 +107,11 @@
       </a:defRPr>
     </a:lvl9pPr>
   </p:defaultTextStyle>
+  <p:extLst>
+    <p:ext uri="{EFAFB233-063F-42B5-8137-9DF3F51BA10A}">
+      <p15:sldGuideLst xmlns:p15="http://schemas.microsoft.com/office/powerpoint/2012/main"/>
+    </p:ext>
+  </p:extLst>
 </p:presentation>
 </file>
 
@@ -259,7 +264,7 @@
           <a:p>
             <a:fld id="{E429B154-DE90-2841-9773-0B77C1A9C1A1}" type="datetimeFigureOut">
               <a:rPr lang="de-CH" smtClean="0"/>
-              <a:t>15.04.20</a:t>
+              <a:t>16.04.2020</a:t>
             </a:fld>
             <a:endParaRPr lang="de-CH"/>
           </a:p>
@@ -313,7 +318,7 @@
           <a:p>
             <a:fld id="{6A654272-D739-E94E-928D-BD5A1ED31435}" type="slidenum">
               <a:rPr lang="de-CH" smtClean="0"/>
-              <a:t>‹#›</a:t>
+              <a:t>‹Nr.›</a:t>
             </a:fld>
             <a:endParaRPr lang="de-CH"/>
           </a:p>
@@ -459,7 +464,7 @@
           <a:p>
             <a:fld id="{E429B154-DE90-2841-9773-0B77C1A9C1A1}" type="datetimeFigureOut">
               <a:rPr lang="de-CH" smtClean="0"/>
-              <a:t>15.04.20</a:t>
+              <a:t>16.04.2020</a:t>
             </a:fld>
             <a:endParaRPr lang="de-CH"/>
           </a:p>
@@ -513,7 +518,7 @@
           <a:p>
             <a:fld id="{6A654272-D739-E94E-928D-BD5A1ED31435}" type="slidenum">
               <a:rPr lang="de-CH" smtClean="0"/>
-              <a:t>‹#›</a:t>
+              <a:t>‹Nr.›</a:t>
             </a:fld>
             <a:endParaRPr lang="de-CH"/>
           </a:p>
@@ -669,7 +674,7 @@
           <a:p>
             <a:fld id="{E429B154-DE90-2841-9773-0B77C1A9C1A1}" type="datetimeFigureOut">
               <a:rPr lang="de-CH" smtClean="0"/>
-              <a:t>15.04.20</a:t>
+              <a:t>16.04.2020</a:t>
             </a:fld>
             <a:endParaRPr lang="de-CH"/>
           </a:p>
@@ -723,7 +728,7 @@
           <a:p>
             <a:fld id="{6A654272-D739-E94E-928D-BD5A1ED31435}" type="slidenum">
               <a:rPr lang="de-CH" smtClean="0"/>
-              <a:t>‹#›</a:t>
+              <a:t>‹Nr.›</a:t>
             </a:fld>
             <a:endParaRPr lang="de-CH"/>
           </a:p>
@@ -869,7 +874,7 @@
           <a:p>
             <a:fld id="{E429B154-DE90-2841-9773-0B77C1A9C1A1}" type="datetimeFigureOut">
               <a:rPr lang="de-CH" smtClean="0"/>
-              <a:t>15.04.20</a:t>
+              <a:t>16.04.2020</a:t>
             </a:fld>
             <a:endParaRPr lang="de-CH"/>
           </a:p>
@@ -923,7 +928,7 @@
           <a:p>
             <a:fld id="{6A654272-D739-E94E-928D-BD5A1ED31435}" type="slidenum">
               <a:rPr lang="de-CH" smtClean="0"/>
-              <a:t>‹#›</a:t>
+              <a:t>‹Nr.›</a:t>
             </a:fld>
             <a:endParaRPr lang="de-CH"/>
           </a:p>
@@ -1145,7 +1150,7 @@
           <a:p>
             <a:fld id="{E429B154-DE90-2841-9773-0B77C1A9C1A1}" type="datetimeFigureOut">
               <a:rPr lang="de-CH" smtClean="0"/>
-              <a:t>15.04.20</a:t>
+              <a:t>16.04.2020</a:t>
             </a:fld>
             <a:endParaRPr lang="de-CH"/>
           </a:p>
@@ -1199,7 +1204,7 @@
           <a:p>
             <a:fld id="{6A654272-D739-E94E-928D-BD5A1ED31435}" type="slidenum">
               <a:rPr lang="de-CH" smtClean="0"/>
-              <a:t>‹#›</a:t>
+              <a:t>‹Nr.›</a:t>
             </a:fld>
             <a:endParaRPr lang="de-CH"/>
           </a:p>
@@ -1413,7 +1418,7 @@
           <a:p>
             <a:fld id="{E429B154-DE90-2841-9773-0B77C1A9C1A1}" type="datetimeFigureOut">
               <a:rPr lang="de-CH" smtClean="0"/>
-              <a:t>15.04.20</a:t>
+              <a:t>16.04.2020</a:t>
             </a:fld>
             <a:endParaRPr lang="de-CH"/>
           </a:p>
@@ -1467,7 +1472,7 @@
           <a:p>
             <a:fld id="{6A654272-D739-E94E-928D-BD5A1ED31435}" type="slidenum">
               <a:rPr lang="de-CH" smtClean="0"/>
-              <a:t>‹#›</a:t>
+              <a:t>‹Nr.›</a:t>
             </a:fld>
             <a:endParaRPr lang="de-CH"/>
           </a:p>
@@ -1828,7 +1833,7 @@
           <a:p>
             <a:fld id="{E429B154-DE90-2841-9773-0B77C1A9C1A1}" type="datetimeFigureOut">
               <a:rPr lang="de-CH" smtClean="0"/>
-              <a:t>15.04.20</a:t>
+              <a:t>16.04.2020</a:t>
             </a:fld>
             <a:endParaRPr lang="de-CH"/>
           </a:p>
@@ -1882,7 +1887,7 @@
           <a:p>
             <a:fld id="{6A654272-D739-E94E-928D-BD5A1ED31435}" type="slidenum">
               <a:rPr lang="de-CH" smtClean="0"/>
-              <a:t>‹#›</a:t>
+              <a:t>‹Nr.›</a:t>
             </a:fld>
             <a:endParaRPr lang="de-CH"/>
           </a:p>
@@ -1970,7 +1975,7 @@
           <a:p>
             <a:fld id="{E429B154-DE90-2841-9773-0B77C1A9C1A1}" type="datetimeFigureOut">
               <a:rPr lang="de-CH" smtClean="0"/>
-              <a:t>15.04.20</a:t>
+              <a:t>16.04.2020</a:t>
             </a:fld>
             <a:endParaRPr lang="de-CH"/>
           </a:p>
@@ -2024,7 +2029,7 @@
           <a:p>
             <a:fld id="{6A654272-D739-E94E-928D-BD5A1ED31435}" type="slidenum">
               <a:rPr lang="de-CH" smtClean="0"/>
-              <a:t>‹#›</a:t>
+              <a:t>‹Nr.›</a:t>
             </a:fld>
             <a:endParaRPr lang="de-CH"/>
           </a:p>
@@ -2083,7 +2088,7 @@
           <a:p>
             <a:fld id="{E429B154-DE90-2841-9773-0B77C1A9C1A1}" type="datetimeFigureOut">
               <a:rPr lang="de-CH" smtClean="0"/>
-              <a:t>15.04.20</a:t>
+              <a:t>16.04.2020</a:t>
             </a:fld>
             <a:endParaRPr lang="de-CH"/>
           </a:p>
@@ -2137,7 +2142,7 @@
           <a:p>
             <a:fld id="{6A654272-D739-E94E-928D-BD5A1ED31435}" type="slidenum">
               <a:rPr lang="de-CH" smtClean="0"/>
-              <a:t>‹#›</a:t>
+              <a:t>‹Nr.›</a:t>
             </a:fld>
             <a:endParaRPr lang="de-CH"/>
           </a:p>
@@ -2396,7 +2401,7 @@
           <a:p>
             <a:fld id="{E429B154-DE90-2841-9773-0B77C1A9C1A1}" type="datetimeFigureOut">
               <a:rPr lang="de-CH" smtClean="0"/>
-              <a:t>15.04.20</a:t>
+              <a:t>16.04.2020</a:t>
             </a:fld>
             <a:endParaRPr lang="de-CH"/>
           </a:p>
@@ -2450,7 +2455,7 @@
           <a:p>
             <a:fld id="{6A654272-D739-E94E-928D-BD5A1ED31435}" type="slidenum">
               <a:rPr lang="de-CH" smtClean="0"/>
-              <a:t>‹#›</a:t>
+              <a:t>‹Nr.›</a:t>
             </a:fld>
             <a:endParaRPr lang="de-CH"/>
           </a:p>
@@ -2685,7 +2690,7 @@
           <a:p>
             <a:fld id="{E429B154-DE90-2841-9773-0B77C1A9C1A1}" type="datetimeFigureOut">
               <a:rPr lang="de-CH" smtClean="0"/>
-              <a:t>15.04.20</a:t>
+              <a:t>16.04.2020</a:t>
             </a:fld>
             <a:endParaRPr lang="de-CH"/>
           </a:p>
@@ -2739,7 +2744,7 @@
           <a:p>
             <a:fld id="{6A654272-D739-E94E-928D-BD5A1ED31435}" type="slidenum">
               <a:rPr lang="de-CH" smtClean="0"/>
-              <a:t>‹#›</a:t>
+              <a:t>‹Nr.›</a:t>
             </a:fld>
             <a:endParaRPr lang="de-CH"/>
           </a:p>
@@ -2928,7 +2933,7 @@
           <a:p>
             <a:fld id="{E429B154-DE90-2841-9773-0B77C1A9C1A1}" type="datetimeFigureOut">
               <a:rPr lang="de-CH" smtClean="0"/>
-              <a:t>15.04.20</a:t>
+              <a:t>16.04.2020</a:t>
             </a:fld>
             <a:endParaRPr lang="de-CH"/>
           </a:p>
@@ -3018,7 +3023,7 @@
           <a:p>
             <a:fld id="{6A654272-D739-E94E-928D-BD5A1ED31435}" type="slidenum">
               <a:rPr lang="de-CH" smtClean="0"/>
-              <a:t>‹#›</a:t>
+              <a:t>‹Nr.›</a:t>
             </a:fld>
             <a:endParaRPr lang="de-CH"/>
           </a:p>
@@ -3925,7 +3930,7 @@
         <p:spPr>
           <a:xfrm>
             <a:off x="6384013" y="1882906"/>
-            <a:ext cx="5239657" cy="3847207"/>
+            <a:ext cx="5239657" cy="4339650"/>
           </a:xfrm>
           <a:prstGeom prst="rect">
             <a:avLst/>
@@ -3938,6 +3943,116 @@
           </a:bodyPr>
           <a:lstStyle/>
           <a:p>
+            <a:r>
+              <a:rPr lang="de-CH" sz="2800" dirty="0">
+                <a:solidFill>
+                  <a:schemeClr val="tx2">
+                    <a:lumMod val="75000"/>
+                  </a:schemeClr>
+                </a:solidFill>
+                <a:latin typeface="Arial" panose="020B0604020202020204" pitchFamily="34" charset="0"/>
+                <a:cs typeface="Arial" panose="020B0604020202020204" pitchFamily="34" charset="0"/>
+              </a:rPr>
+              <a:t>Ton-Kommunikation zwischen </a:t>
+            </a:r>
+            <a:r>
+              <a:rPr lang="de-CH" sz="2800" b="1" dirty="0">
+                <a:solidFill>
+                  <a:schemeClr val="tx2">
+                    <a:lumMod val="75000"/>
+                  </a:schemeClr>
+                </a:solidFill>
+                <a:latin typeface="Arial" panose="020B0604020202020204" pitchFamily="34" charset="0"/>
+                <a:cs typeface="Arial" panose="020B0604020202020204" pitchFamily="34" charset="0"/>
+              </a:rPr>
+              <a:t>Android</a:t>
+            </a:r>
+            <a:r>
+              <a:rPr lang="de-CH" sz="2800" dirty="0">
+                <a:solidFill>
+                  <a:schemeClr val="tx2">
+                    <a:lumMod val="75000"/>
+                  </a:schemeClr>
+                </a:solidFill>
+                <a:latin typeface="Arial" panose="020B0604020202020204" pitchFamily="34" charset="0"/>
+                <a:cs typeface="Arial" panose="020B0604020202020204" pitchFamily="34" charset="0"/>
+              </a:rPr>
+              <a:t> Smartphones zu ermöglichen</a:t>
+            </a:r>
+          </a:p>
+          <a:p>
+            <a:endParaRPr lang="de-CH" sz="2400" dirty="0">
+              <a:solidFill>
+                <a:schemeClr val="tx2">
+                  <a:lumMod val="75000"/>
+                </a:schemeClr>
+              </a:solidFill>
+              <a:latin typeface="Arial" panose="020B0604020202020204" pitchFamily="34" charset="0"/>
+              <a:cs typeface="Arial" panose="020B0604020202020204" pitchFamily="34" charset="0"/>
+            </a:endParaRPr>
+          </a:p>
+          <a:p>
+            <a:r>
+              <a:rPr lang="de-CH" sz="2800" dirty="0">
+                <a:solidFill>
+                  <a:schemeClr val="tx2">
+                    <a:lumMod val="75000"/>
+                  </a:schemeClr>
+                </a:solidFill>
+                <a:latin typeface="Arial" panose="020B0604020202020204" pitchFamily="34" charset="0"/>
+                <a:cs typeface="Arial" panose="020B0604020202020204" pitchFamily="34" charset="0"/>
+              </a:rPr>
+              <a:t>Vorherige Gruppe hat </a:t>
+            </a:r>
+            <a:r>
+              <a:rPr lang="de-CH" sz="2800" dirty="0" err="1">
+                <a:solidFill>
+                  <a:schemeClr val="tx2">
+                    <a:lumMod val="75000"/>
+                  </a:schemeClr>
+                </a:solidFill>
+                <a:latin typeface="Arial" panose="020B0604020202020204" pitchFamily="34" charset="0"/>
+                <a:cs typeface="Arial" panose="020B0604020202020204" pitchFamily="34" charset="0"/>
+              </a:rPr>
+              <a:t>quiet</a:t>
+            </a:r>
+            <a:r>
+              <a:rPr lang="de-CH" sz="2800" dirty="0">
+                <a:solidFill>
+                  <a:schemeClr val="tx2">
+                    <a:lumMod val="75000"/>
+                  </a:schemeClr>
+                </a:solidFill>
+                <a:latin typeface="Arial" panose="020B0604020202020204" pitchFamily="34" charset="0"/>
+                <a:cs typeface="Arial" panose="020B0604020202020204" pitchFamily="34" charset="0"/>
+              </a:rPr>
+              <a:t> zwischen Rechnern auf kleine Distanzen benutzt.</a:t>
+            </a:r>
+          </a:p>
+          <a:p>
+            <a:endParaRPr lang="de-CH" sz="2800" dirty="0">
+              <a:solidFill>
+                <a:schemeClr val="tx2">
+                  <a:lumMod val="75000"/>
+                </a:schemeClr>
+              </a:solidFill>
+              <a:latin typeface="Arial" panose="020B0604020202020204" pitchFamily="34" charset="0"/>
+              <a:cs typeface="Arial" panose="020B0604020202020204" pitchFamily="34" charset="0"/>
+            </a:endParaRPr>
+          </a:p>
+          <a:p>
+            <a:r>
+              <a:rPr lang="de-CH" sz="2800" dirty="0">
+                <a:solidFill>
+                  <a:schemeClr val="tx2">
+                    <a:lumMod val="75000"/>
+                  </a:schemeClr>
+                </a:solidFill>
+                <a:latin typeface="Arial" panose="020B0604020202020204" pitchFamily="34" charset="0"/>
+                <a:cs typeface="Arial" panose="020B0604020202020204" pitchFamily="34" charset="0"/>
+              </a:rPr>
+              <a:t>Mit Hilfe der </a:t>
+            </a:r>
             <a:r>
               <a:rPr lang="de-CH" sz="2800" dirty="0" err="1">
                 <a:solidFill>
@@ -3986,104 +4101,6 @@
                 <a:cs typeface="Arial" panose="020B0604020202020204" pitchFamily="34" charset="0"/>
               </a:rPr>
               <a:t> </a:t>
-            </a:r>
-          </a:p>
-          <a:p>
-            <a:endParaRPr lang="de-CH" sz="2400" dirty="0">
-              <a:solidFill>
-                <a:schemeClr val="tx2">
-                  <a:lumMod val="75000"/>
-                </a:schemeClr>
-              </a:solidFill>
-              <a:latin typeface="Arial" panose="020B0604020202020204" pitchFamily="34" charset="0"/>
-              <a:cs typeface="Arial" panose="020B0604020202020204" pitchFamily="34" charset="0"/>
-            </a:endParaRPr>
-          </a:p>
-          <a:p>
-            <a:r>
-              <a:rPr lang="de-CH" sz="2800" dirty="0">
-                <a:solidFill>
-                  <a:schemeClr val="tx2">
-                    <a:lumMod val="75000"/>
-                  </a:schemeClr>
-                </a:solidFill>
-                <a:latin typeface="Arial" panose="020B0604020202020204" pitchFamily="34" charset="0"/>
-                <a:cs typeface="Arial" panose="020B0604020202020204" pitchFamily="34" charset="0"/>
-              </a:rPr>
-              <a:t>Ton-Kommunikation zwischen </a:t>
-            </a:r>
-            <a:r>
-              <a:rPr lang="de-CH" sz="2800" b="1" dirty="0">
-                <a:solidFill>
-                  <a:schemeClr val="tx2">
-                    <a:lumMod val="75000"/>
-                  </a:schemeClr>
-                </a:solidFill>
-                <a:latin typeface="Arial" panose="020B0604020202020204" pitchFamily="34" charset="0"/>
-                <a:cs typeface="Arial" panose="020B0604020202020204" pitchFamily="34" charset="0"/>
-              </a:rPr>
-              <a:t>Android</a:t>
-            </a:r>
-            <a:r>
-              <a:rPr lang="de-CH" sz="2800" dirty="0">
-                <a:solidFill>
-                  <a:schemeClr val="tx2">
-                    <a:lumMod val="75000"/>
-                  </a:schemeClr>
-                </a:solidFill>
-                <a:latin typeface="Arial" panose="020B0604020202020204" pitchFamily="34" charset="0"/>
-                <a:cs typeface="Arial" panose="020B0604020202020204" pitchFamily="34" charset="0"/>
-              </a:rPr>
-              <a:t> Smartphones zu ermöglichen</a:t>
-            </a:r>
-          </a:p>
-          <a:p>
-            <a:endParaRPr lang="de-CH" sz="2400" dirty="0">
-              <a:solidFill>
-                <a:schemeClr val="tx2">
-                  <a:lumMod val="75000"/>
-                </a:schemeClr>
-              </a:solidFill>
-              <a:latin typeface="Arial" panose="020B0604020202020204" pitchFamily="34" charset="0"/>
-              <a:cs typeface="Arial" panose="020B0604020202020204" pitchFamily="34" charset="0"/>
-            </a:endParaRPr>
-          </a:p>
-          <a:p>
-            <a:r>
-              <a:rPr lang="de-CH" sz="2800" dirty="0">
-                <a:solidFill>
-                  <a:schemeClr val="tx2">
-                    <a:lumMod val="75000"/>
-                  </a:schemeClr>
-                </a:solidFill>
-                <a:latin typeface="Arial" panose="020B0604020202020204" pitchFamily="34" charset="0"/>
-                <a:cs typeface="Arial" panose="020B0604020202020204" pitchFamily="34" charset="0"/>
-              </a:rPr>
-              <a:t>Vorherige Gruppe haben </a:t>
-            </a:r>
-            <a:r>
-              <a:rPr lang="de-CH" sz="2800" dirty="0" err="1">
-                <a:solidFill>
-                  <a:schemeClr val="tx2">
-                    <a:lumMod val="75000"/>
-                  </a:schemeClr>
-                </a:solidFill>
-                <a:latin typeface="Arial" panose="020B0604020202020204" pitchFamily="34" charset="0"/>
-                <a:cs typeface="Arial" panose="020B0604020202020204" pitchFamily="34" charset="0"/>
-              </a:rPr>
-              <a:t>quiet</a:t>
-            </a:r>
-            <a:r>
-              <a:rPr lang="de-CH" sz="2800" dirty="0">
-                <a:solidFill>
-                  <a:schemeClr val="tx2">
-                    <a:lumMod val="75000"/>
-                  </a:schemeClr>
-                </a:solidFill>
-                <a:latin typeface="Arial" panose="020B0604020202020204" pitchFamily="34" charset="0"/>
-                <a:cs typeface="Arial" panose="020B0604020202020204" pitchFamily="34" charset="0"/>
-              </a:rPr>
-              <a:t> zwischen Rechner auf kleine Distanzen programmiert</a:t>
             </a:r>
           </a:p>
         </p:txBody>
@@ -4133,7 +4150,7 @@
         <p:spPr>
           <a:xfrm>
             <a:off x="1033190" y="697483"/>
-            <a:ext cx="9443663" cy="5463034"/>
+            <a:ext cx="9443663" cy="5478423"/>
           </a:xfrm>
           <a:prstGeom prst="rect">
             <a:avLst/>
@@ -4339,7 +4356,7 @@
                 <a:latin typeface="Arial" panose="020B0604020202020204" pitchFamily="34" charset="0"/>
                 <a:cs typeface="Arial" panose="020B0604020202020204" pitchFamily="34" charset="0"/>
               </a:rPr>
-              <a:t>Implementation verfeinern</a:t>
+              <a:t>Testen, testen, testen…</a:t>
             </a:r>
           </a:p>
         </p:txBody>
@@ -5322,7 +5339,7 @@
                 <a:latin typeface="Arial" panose="020B0604020202020204" pitchFamily="34" charset="0"/>
                 <a:cs typeface="Arial" panose="020B0604020202020204" pitchFamily="34" charset="0"/>
               </a:rPr>
-              <a:t>Welche Funktionalität hat unser Projekt im </a:t>
+              <a:t>Wie wird unsere Funktionalität im </a:t>
             </a:r>
             <a:r>
               <a:rPr lang="de-CH" sz="3200" dirty="0" err="1">
@@ -5346,7 +5363,7 @@
                 <a:latin typeface="Arial" panose="020B0604020202020204" pitchFamily="34" charset="0"/>
                 <a:cs typeface="Arial" panose="020B0604020202020204" pitchFamily="34" charset="0"/>
               </a:rPr>
-              <a:t>?</a:t>
+              <a:t> verwendet?</a:t>
             </a:r>
           </a:p>
           <a:p>
@@ -5371,7 +5388,7 @@
                 <a:latin typeface="Arial" panose="020B0604020202020204" pitchFamily="34" charset="0"/>
                 <a:cs typeface="Arial" panose="020B0604020202020204" pitchFamily="34" charset="0"/>
               </a:rPr>
-              <a:t>Koordination mit andere Gruppen</a:t>
+              <a:t>Von welchen Projekten sind wir wie abhängig?</a:t>
             </a:r>
           </a:p>
           <a:p>
@@ -5396,7 +5413,7 @@
                 <a:latin typeface="Arial" panose="020B0604020202020204" pitchFamily="34" charset="0"/>
                 <a:cs typeface="Arial" panose="020B0604020202020204" pitchFamily="34" charset="0"/>
               </a:rPr>
-              <a:t>Schreiben wir ein </a:t>
+              <a:t>Schreiben wir eine </a:t>
             </a:r>
             <a:r>
               <a:rPr lang="de-CH" sz="3200" dirty="0" err="1">
@@ -5420,7 +5437,7 @@
                 <a:latin typeface="Arial" panose="020B0604020202020204" pitchFamily="34" charset="0"/>
                 <a:cs typeface="Arial" panose="020B0604020202020204" pitchFamily="34" charset="0"/>
               </a:rPr>
-              <a:t> App, oder Module für </a:t>
+              <a:t> App, oder ein Modul für Gruppe 10 (</a:t>
             </a:r>
             <a:r>
               <a:rPr lang="de-CH" sz="3200" dirty="0" err="1">
@@ -5432,7 +5449,7 @@
                 <a:latin typeface="Arial" panose="020B0604020202020204" pitchFamily="34" charset="0"/>
                 <a:cs typeface="Arial" panose="020B0604020202020204" pitchFamily="34" charset="0"/>
               </a:rPr>
-              <a:t>Kotlin</a:t>
+              <a:t>KotlinUI</a:t>
             </a:r>
             <a:r>
               <a:rPr lang="de-CH" sz="3200" dirty="0">
@@ -5444,7 +5461,7 @@
                 <a:latin typeface="Arial" panose="020B0604020202020204" pitchFamily="34" charset="0"/>
                 <a:cs typeface="Arial" panose="020B0604020202020204" pitchFamily="34" charset="0"/>
               </a:rPr>
-              <a:t> Gruppe (10)?</a:t>
+              <a:t>)?</a:t>
             </a:r>
           </a:p>
         </p:txBody>

--- a/groups/02-soundLink/I&S Zwischenstand 16.04..pptx
+++ b/groups/02-soundLink/I&S Zwischenstand 16.04..pptx
@@ -4150,7 +4150,7 @@
         <p:spPr>
           <a:xfrm>
             <a:off x="1033190" y="697483"/>
-            <a:ext cx="9443663" cy="5478423"/>
+            <a:ext cx="9443663" cy="5463034"/>
           </a:xfrm>
           <a:prstGeom prst="rect">
             <a:avLst/>
@@ -4198,7 +4198,7 @@
                 <a:latin typeface="Arial" panose="020B0604020202020204" pitchFamily="34" charset="0"/>
                 <a:cs typeface="Arial" panose="020B0604020202020204" pitchFamily="34" charset="0"/>
               </a:rPr>
-              <a:t>Android Studio Implementation mit virtuelles Smartphone (Demo)</a:t>
+              <a:t>Android Studio Implementation mit Android Emulator (Demo)</a:t>
             </a:r>
           </a:p>
           <a:p>
